--- a/trunk/Version 2/Documentation/Project Proposal - Slideshow - v1 - 20130818.pptx
+++ b/trunk/Version 2/Documentation/Project Proposal - Slideshow - v1 - 20130818.pptx
@@ -4023,7 +4023,7 @@
         </p:blipFill>
         <p:spPr bwMode="auto">
           <a:xfrm>
-            <a:off x="1" y="2914650"/>
+            <a:off x="0" y="2914650"/>
             <a:ext cx="4353895" cy="2228850"/>
           </a:xfrm>
           <a:prstGeom prst="rect">
@@ -4048,8 +4048,8 @@
         </p:nvSpPr>
         <p:spPr>
           <a:xfrm>
-            <a:off x="381000" y="1257300"/>
-            <a:ext cx="8382000" cy="857250"/>
+            <a:off x="0" y="1276350"/>
+            <a:ext cx="9144000" cy="857250"/>
           </a:xfrm>
           <a:prstGeom prst="rect">
             <a:avLst/>
@@ -4130,8 +4130,8 @@
         </p:nvSpPr>
         <p:spPr>
           <a:xfrm>
-            <a:off x="0" y="2057400"/>
-            <a:ext cx="8229600" cy="857250"/>
+            <a:off x="-228600" y="2038350"/>
+            <a:ext cx="8610600" cy="857250"/>
           </a:xfrm>
           <a:prstGeom prst="rect">
             <a:avLst/>
@@ -4606,11 +4606,7 @@
           <a:p>
             <a:r>
               <a:rPr lang="en-US" sz="2800" dirty="0" smtClean="0"/>
-              <a:t>232RL USB Download Cable To Serial Adapter Module For Arduino USB TO </a:t>
-            </a:r>
-            <a:r>
-              <a:rPr lang="en-US" sz="2800" dirty="0" smtClean="0"/>
-              <a:t>232</a:t>
+              <a:t>232RL USB Download Cable To Serial Adapter Module For Arduino USB TO 232</a:t>
             </a:r>
             <a:endParaRPr lang="en-US" sz="2900" dirty="0" smtClean="0"/>
           </a:p>
@@ -4648,15 +4644,7 @@
                   <a:srgbClr val="0070C0"/>
                 </a:solidFill>
               </a:rPr>
-              <a:t>Hi</a:t>
-            </a:r>
-            <a:r>
-              <a:rPr lang="en-US" b="1" dirty="0" err="1" smtClean="0">
-                <a:solidFill>
-                  <a:srgbClr val="0070C0"/>
-                </a:solidFill>
-              </a:rPr>
-              <a:t>Link</a:t>
+              <a:t>HiLink</a:t>
             </a:r>
             <a:endParaRPr lang="en-US" b="1" dirty="0">
               <a:solidFill>
@@ -4964,15 +4952,7 @@
           <a:p>
             <a:r>
               <a:rPr lang="en-US" sz="2800" dirty="0" smtClean="0"/>
-              <a:t>Interface with </a:t>
-            </a:r>
-            <a:r>
-              <a:rPr lang="en-US" sz="2800" dirty="0" smtClean="0"/>
-              <a:t>HiNode </a:t>
-            </a:r>
-            <a:r>
-              <a:rPr lang="en-US" sz="2800" dirty="0" smtClean="0"/>
-              <a:t>through serial communication.</a:t>
+              <a:t>Interface with HiNode through serial communication.</a:t>
             </a:r>
             <a:endParaRPr lang="en-US" sz="2900" dirty="0"/>
           </a:p>
@@ -5510,15 +5490,7 @@
           <a:p>
             <a:r>
               <a:rPr lang="en-US" sz="2900" dirty="0" smtClean="0"/>
-              <a:t>The output will be connected to the </a:t>
-            </a:r>
-            <a:r>
-              <a:rPr lang="en-US" sz="2900" dirty="0" smtClean="0"/>
-              <a:t>HiNode </a:t>
-            </a:r>
-            <a:r>
-              <a:rPr lang="en-US" sz="2900" dirty="0" smtClean="0"/>
-              <a:t>to allow scaling and power calculation.</a:t>
+              <a:t>The output will be connected to the HiNode to allow scaling and power calculation.</a:t>
             </a:r>
           </a:p>
           <a:p>
@@ -5722,15 +5694,7 @@
           <a:p>
             <a:r>
               <a:rPr lang="en-US" sz="2900" dirty="0" smtClean="0"/>
-              <a:t>Send pulses to </a:t>
-            </a:r>
-            <a:r>
-              <a:rPr lang="en-US" sz="2900" dirty="0" smtClean="0"/>
-              <a:t>HiNode </a:t>
-            </a:r>
-            <a:r>
-              <a:rPr lang="en-US" sz="2900" dirty="0" smtClean="0"/>
-              <a:t>at a frequency of 0 to 450Hz.</a:t>
+              <a:t>Send pulses to HiNode at a frequency of 0 to 450Hz.</a:t>
             </a:r>
           </a:p>
           <a:p>
@@ -5900,13 +5864,8 @@
           <a:p>
             <a:r>
               <a:rPr lang="en-US" sz="2900" dirty="0" smtClean="0"/>
-              <a:t>Use a two-stake sensor attached to analog ports on </a:t>
-            </a:r>
-            <a:r>
-              <a:rPr lang="en-US" sz="2900" dirty="0" smtClean="0"/>
-              <a:t>HiNode.</a:t>
-            </a:r>
-            <a:endParaRPr lang="en-US" sz="2900" dirty="0" smtClean="0"/>
+              <a:t>Use a two-stake sensor attached to analog ports on HiNode.</a:t>
+            </a:r>
           </a:p>
           <a:p>
             <a:r>
@@ -6165,27 +6124,14 @@
           <a:p>
             <a:r>
               <a:rPr lang="en-US" sz="2700" dirty="0" smtClean="0"/>
-              <a:t>Designed to be a fully functional, resource independent system that incorporates energy saving </a:t>
-            </a:r>
+              <a:t>Designed to be a fully functional, resource independent system that incorporates energy saving designs.</a:t>
+            </a:r>
+          </a:p>
+          <a:p>
             <a:r>
               <a:rPr lang="en-US" sz="2700" dirty="0" smtClean="0"/>
-              <a:t>designs.</a:t>
-            </a:r>
-          </a:p>
-          <a:p>
-            <a:r>
-              <a:rPr lang="en-US" sz="2700" dirty="0" smtClean="0"/>
-              <a:t>All-in-one solution with modern User experience with no limit on security, energy control</a:t>
-            </a:r>
-            <a:r>
-              <a:rPr lang="en-US" sz="2700" dirty="0" smtClean="0"/>
-              <a:t>, surveillance </a:t>
-            </a:r>
-            <a:r>
-              <a:rPr lang="en-US" sz="2700" dirty="0" smtClean="0"/>
-              <a:t>observing, voice recognition ,face recognition, finger print recognition…</a:t>
-            </a:r>
-            <a:endParaRPr lang="en-US" sz="2700" dirty="0" smtClean="0"/>
+              <a:t>All-in-one solution with modern User experience with no limit on security, energy control, surveillance observing, voice recognition ,face recognition, finger print recognition…</a:t>
+            </a:r>
           </a:p>
           <a:p>
             <a:r>
@@ -6200,11 +6146,7 @@
             </a:pPr>
             <a:r>
               <a:rPr lang="en-US" sz="2350" dirty="0" smtClean="0"/>
-              <a:t>A </a:t>
-            </a:r>
-            <a:r>
-              <a:rPr lang="en-US" sz="2350" dirty="0" smtClean="0"/>
-              <a:t>sensor network that is linked to a central server </a:t>
+              <a:t>A sensor network that is linked to a central server </a:t>
             </a:r>
           </a:p>
           <a:p>
@@ -6244,15 +6186,7 @@
             </a:pPr>
             <a:r>
               <a:rPr lang="en-US" sz="2350" dirty="0" smtClean="0"/>
-              <a:t>Open-source </a:t>
-            </a:r>
-            <a:r>
-              <a:rPr lang="en-US" sz="2350" dirty="0" smtClean="0"/>
-              <a:t>and low cost </a:t>
-            </a:r>
-            <a:r>
-              <a:rPr lang="en-US" sz="2350" dirty="0" smtClean="0"/>
-              <a:t>system</a:t>
+              <a:t>Open-source and low cost system</a:t>
             </a:r>
           </a:p>
           <a:p>
@@ -6858,20 +6792,11 @@
               <a:rPr lang="en-US" sz="2800" dirty="0" smtClean="0"/>
               <a:t>Use Relay from HiNode to control the outlet</a:t>
             </a:r>
-            <a:endParaRPr lang="en-US" sz="2800" dirty="0" smtClean="0"/>
           </a:p>
           <a:p>
             <a:r>
               <a:rPr lang="en-US" sz="2800" dirty="0" smtClean="0"/>
-              <a:t>Cost </a:t>
-            </a:r>
-            <a:r>
-              <a:rPr lang="en-US" sz="2800" dirty="0" smtClean="0"/>
-              <a:t>is coming down while reliability is going up</a:t>
-            </a:r>
-            <a:r>
-              <a:rPr lang="en-US" sz="2800" dirty="0" smtClean="0"/>
-              <a:t>.</a:t>
+              <a:t>Cost is coming down while reliability is going up.</a:t>
             </a:r>
           </a:p>
           <a:p>
@@ -6879,7 +6804,6 @@
               <a:rPr lang="en-US" sz="2800" dirty="0" smtClean="0"/>
               <a:t>Need 12V DC power line for all node. (sensor and Control)</a:t>
             </a:r>
-            <a:endParaRPr lang="en-US" sz="2800" dirty="0" smtClean="0"/>
           </a:p>
           <a:p>
             <a:endParaRPr lang="en-US" sz="2900" dirty="0"/>
@@ -7065,11 +6989,7 @@
             </a:pPr>
             <a:r>
               <a:rPr lang="en-US" sz="2900" b="1" dirty="0" smtClean="0"/>
-              <a:t>Water </a:t>
-            </a:r>
-            <a:r>
-              <a:rPr lang="en-US" sz="2900" b="1" dirty="0" smtClean="0"/>
-              <a:t>pump/motor:</a:t>
+              <a:t>Water pump/motor:</a:t>
             </a:r>
           </a:p>
           <a:p>
@@ -7079,15 +6999,7 @@
             </a:pPr>
             <a:r>
               <a:rPr lang="en-US" sz="2400" dirty="0" smtClean="0"/>
-              <a:t>Use a motor with </a:t>
-            </a:r>
-            <a:r>
-              <a:rPr lang="en-US" sz="2400" dirty="0" smtClean="0"/>
-              <a:t>HiNode </a:t>
-            </a:r>
-            <a:r>
-              <a:rPr lang="en-US" sz="2400" dirty="0" smtClean="0"/>
-              <a:t>controller</a:t>
+              <a:t>Use a motor with HiNode controller</a:t>
             </a:r>
           </a:p>
           <a:p>
@@ -20988,13 +20900,8 @@
           <a:p>
             <a:r>
               <a:rPr lang="en-US" sz="2800" dirty="0" smtClean="0"/>
-              <a:t>In this proposal, we will describe the features of our </a:t>
-            </a:r>
-            <a:r>
-              <a:rPr lang="en-US" sz="2800" dirty="0" smtClean="0"/>
-              <a:t>solution</a:t>
-            </a:r>
-            <a:endParaRPr lang="en-US" sz="2800" dirty="0" smtClean="0"/>
+              <a:t>In this proposal, we will describe the features of our solution</a:t>
+            </a:r>
           </a:p>
           <a:p>
             <a:endParaRPr lang="en-US" sz="2800" dirty="0" smtClean="0"/>
@@ -21365,15 +21272,7 @@
             </a:pPr>
             <a:r>
               <a:rPr lang="en-US" sz="2900" dirty="0" smtClean="0"/>
-              <a:t>Overview of the </a:t>
-            </a:r>
-            <a:r>
-              <a:rPr lang="en-US" sz="2900" dirty="0" smtClean="0"/>
-              <a:t>HiNode </a:t>
-            </a:r>
-            <a:r>
-              <a:rPr lang="en-US" sz="2900" dirty="0" smtClean="0"/>
-              <a:t>platform &amp; Sensors</a:t>
+              <a:t>Overview of the HiNode platform &amp; Sensors</a:t>
             </a:r>
           </a:p>
           <a:p>
@@ -21740,15 +21639,7 @@
                   <a:srgbClr val="0070C0"/>
                 </a:solidFill>
               </a:rPr>
-              <a:t>Overview of </a:t>
-            </a:r>
-            <a:r>
-              <a:rPr lang="en-US" b="1" dirty="0" smtClean="0">
-                <a:solidFill>
-                  <a:srgbClr val="0070C0"/>
-                </a:solidFill>
-              </a:rPr>
-              <a:t>new design of wireless sensor/control node network and new node platform (HiNode)</a:t>
+              <a:t>Overview of new design of wireless sensor/control node network and new node platform (HiNode)</a:t>
             </a:r>
             <a:endParaRPr lang="en-US" b="1" dirty="0">
               <a:solidFill>
@@ -21814,46 +21705,26 @@
           <a:p>
             <a:r>
               <a:rPr lang="en-US" sz="2900" dirty="0" smtClean="0"/>
-              <a:t>A </a:t>
-            </a:r>
-            <a:r>
-              <a:rPr lang="en-US" sz="2900" dirty="0" smtClean="0"/>
-              <a:t>HiNode based on:</a:t>
+              <a:t>A HiNode based on:</a:t>
             </a:r>
           </a:p>
           <a:p>
             <a:pPr lvl="1"/>
             <a:r>
               <a:rPr lang="it-IT" sz="2400" dirty="0" smtClean="0"/>
-              <a:t>Pro </a:t>
-            </a:r>
-            <a:r>
-              <a:rPr lang="it-IT" sz="2400" dirty="0" smtClean="0"/>
-              <a:t>Mini atmega328 5V </a:t>
-            </a:r>
-            <a:r>
-              <a:rPr lang="it-IT" sz="2400" dirty="0" smtClean="0"/>
-              <a:t>16M,</a:t>
+              <a:t>Pro Mini atmega328 5V 16M,</a:t>
             </a:r>
             <a:r>
               <a:rPr lang="en-US" sz="2400" dirty="0" smtClean="0"/>
-              <a:t> </a:t>
-            </a:r>
+              <a:t> L*W*H:33mm *118*6mm</a:t>
+            </a:r>
+            <a:endParaRPr lang="it-IT" sz="2400" dirty="0" smtClean="0"/>
+          </a:p>
+          <a:p>
+            <a:pPr lvl="1"/>
             <a:r>
               <a:rPr lang="en-US" sz="2400" dirty="0" smtClean="0"/>
-              <a:t>L*W*H:33mm *118*6mm</a:t>
-            </a:r>
-            <a:endParaRPr lang="it-IT" sz="2400" dirty="0" smtClean="0"/>
-          </a:p>
-          <a:p>
-            <a:pPr lvl="1"/>
-            <a:r>
-              <a:rPr lang="en-US" sz="2400" dirty="0" smtClean="0"/>
-              <a:t>NRF24L01+ 2.4GHz Antenna Wireless Transceiver </a:t>
-            </a:r>
-            <a:r>
-              <a:rPr lang="en-US" sz="2400" dirty="0" smtClean="0"/>
-              <a:t>Module </a:t>
+              <a:t>NRF24L01+ 2.4GHz Antenna Wireless Transceiver Module </a:t>
             </a:r>
             <a:endParaRPr lang="en-US" sz="2500" dirty="0" smtClean="0"/>
           </a:p>
@@ -21897,15 +21768,7 @@
                   <a:srgbClr val="0070C0"/>
                 </a:solidFill>
               </a:rPr>
-              <a:t>Hi</a:t>
-            </a:r>
-            <a:r>
-              <a:rPr lang="en-US" b="1" dirty="0" smtClean="0">
-                <a:solidFill>
-                  <a:srgbClr val="0070C0"/>
-                </a:solidFill>
-              </a:rPr>
-              <a:t>Node</a:t>
+              <a:t>HiNode</a:t>
             </a:r>
             <a:endParaRPr lang="en-US" b="1" dirty="0">
               <a:solidFill>
@@ -22018,11 +21881,7 @@
           <a:p>
             <a:r>
               <a:rPr lang="en-US" dirty="0" smtClean="0"/>
-              <a:t>L*W*H:33mm </a:t>
-            </a:r>
-            <a:r>
-              <a:rPr lang="en-US" dirty="0" smtClean="0"/>
-              <a:t>*118*6mm</a:t>
+              <a:t>L*W*H:33mm *118*6mm</a:t>
             </a:r>
             <a:endParaRPr lang="en-US" dirty="0"/>
           </a:p>
